--- a/docs/AGORA HACK - 1 КЕЙС - 100zers.pptx
+++ b/docs/AGORA HACK - 1 КЕЙС - 100zers.pptx
@@ -1602,7 +1602,7 @@
                 <a:ea typeface="Segoe UI Black" panose="020B0A02040204020203" pitchFamily="34" charset="0"/>
                 <a:cs typeface="Arial" panose="020B0604020202020204" pitchFamily="34" charset="0"/>
               </a:rPr>
-              <a:t>10 </a:t>
+              <a:t>20 </a:t>
             </a:r>
             <a:r>
               <a:rPr lang="ru-RU" sz="3100" b="1" dirty="0">
@@ -1657,6 +1657,28 @@
               </a:rPr>
               <a:t>на имеющихся данных большая</a:t>
             </a:r>
+            <a:r>
+              <a:rPr lang="en-US" sz="3100" dirty="0">
+                <a:solidFill>
+                  <a:schemeClr val="bg1"/>
+                </a:solidFill>
+                <a:latin typeface="Arial" panose="020B0604020202020204" pitchFamily="34" charset="0"/>
+                <a:ea typeface="Segoe UI Black" panose="020B0A02040204020203" pitchFamily="34" charset="0"/>
+                <a:cs typeface="Arial" panose="020B0604020202020204" pitchFamily="34" charset="0"/>
+              </a:rPr>
+              <a:t> (&gt;96%)</a:t>
+            </a:r>
+            <a:r>
+              <a:rPr lang="ru-RU" sz="3100" dirty="0">
+                <a:solidFill>
+                  <a:schemeClr val="bg1"/>
+                </a:solidFill>
+                <a:latin typeface="Arial" panose="020B0604020202020204" pitchFamily="34" charset="0"/>
+                <a:ea typeface="Segoe UI Black" panose="020B0A02040204020203" pitchFamily="34" charset="0"/>
+                <a:cs typeface="Arial" panose="020B0604020202020204" pitchFamily="34" charset="0"/>
+              </a:rPr>
+              <a:t>.</a:t>
+            </a:r>
           </a:p>
           <a:p>
             <a:pPr marL="457200" indent="-457200">
@@ -1697,7 +1719,7 @@
                 <a:ea typeface="Segoe UI Black" panose="020B0A02040204020203" pitchFamily="34" charset="0"/>
                 <a:cs typeface="Arial" panose="020B0604020202020204" pitchFamily="34" charset="0"/>
               </a:rPr>
-              <a:t>65ms </a:t>
+              <a:t>67ms </a:t>
             </a:r>
             <a:r>
               <a:rPr lang="ru-RU" sz="3100" b="1" dirty="0">
@@ -1922,6 +1944,79 @@
           </a:p>
         </p:txBody>
       </p:sp>
+      <p:sp>
+        <p:nvSpPr>
+          <p:cNvPr id="2" name="TextBox 1">
+            <a:extLst>
+              <a:ext uri="{FF2B5EF4-FFF2-40B4-BE49-F238E27FC236}">
+                <a16:creationId xmlns:a16="http://schemas.microsoft.com/office/drawing/2014/main" id="{00E341EE-E8A0-4D41-C249-CE26CB89FB8C}"/>
+              </a:ext>
+            </a:extLst>
+          </p:cNvPr>
+          <p:cNvSpPr txBox="1"/>
+          <p:nvPr/>
+        </p:nvSpPr>
+        <p:spPr>
+          <a:xfrm>
+            <a:off x="6546850" y="9769475"/>
+            <a:ext cx="12649200" cy="719492"/>
+          </a:xfrm>
+          <a:prstGeom prst="rect">
+            <a:avLst/>
+          </a:prstGeom>
+          <a:noFill/>
+        </p:spPr>
+        <p:txBody>
+          <a:bodyPr wrap="square" rtlCol="0">
+            <a:spAutoFit/>
+          </a:bodyPr>
+          <a:lstStyle/>
+          <a:p>
+            <a:pPr>
+              <a:lnSpc>
+                <a:spcPct val="150000"/>
+              </a:lnSpc>
+            </a:pPr>
+            <a:r>
+              <a:rPr lang="en-US" sz="3100" dirty="0">
+                <a:solidFill>
+                  <a:schemeClr val="bg1"/>
+                </a:solidFill>
+                <a:latin typeface="Arial" panose="020B0604020202020204" pitchFamily="34" charset="0"/>
+                <a:ea typeface="Segoe UI Black" panose="020B0A02040204020203" pitchFamily="34" charset="0"/>
+                <a:cs typeface="Arial" panose="020B0604020202020204" pitchFamily="34" charset="0"/>
+              </a:rPr>
+              <a:t>GitHub: </a:t>
+            </a:r>
+            <a:r>
+              <a:rPr lang="en-US" sz="3100" dirty="0">
+                <a:solidFill>
+                  <a:srgbClr val="FFFF00"/>
+                </a:solidFill>
+                <a:latin typeface="Arial" panose="020B0604020202020204" pitchFamily="34" charset="0"/>
+                <a:ea typeface="Segoe UI Black" panose="020B0A02040204020203" pitchFamily="34" charset="0"/>
+                <a:cs typeface="Arial" panose="020B0604020202020204" pitchFamily="34" charset="0"/>
+                <a:hlinkClick r:id="rId3">
+                  <a:extLst>
+                    <a:ext uri="{A12FA001-AC4F-418D-AE19-62706E023703}">
+                      <ahyp:hlinkClr xmlns:ahyp="http://schemas.microsoft.com/office/drawing/2018/hyperlinkcolor" val="tx"/>
+                    </a:ext>
+                  </a:extLst>
+                </a:hlinkClick>
+              </a:rPr>
+              <a:t>https://github.com/Stanislav-Povolotsky/agora-hackaton-2022</a:t>
+            </a:r>
+            <a:endParaRPr lang="en-US" sz="3100" dirty="0">
+              <a:solidFill>
+                <a:srgbClr val="FFFF00"/>
+              </a:solidFill>
+              <a:latin typeface="Arial" panose="020B0604020202020204" pitchFamily="34" charset="0"/>
+              <a:ea typeface="Segoe UI Black" panose="020B0A02040204020203" pitchFamily="34" charset="0"/>
+              <a:cs typeface="Arial" panose="020B0604020202020204" pitchFamily="34" charset="0"/>
+            </a:endParaRPr>
+          </a:p>
+        </p:txBody>
+      </p:sp>
     </p:spTree>
     <p:extLst>
       <p:ext uri="{BB962C8B-B14F-4D97-AF65-F5344CB8AC3E}">
@@ -2853,84 +2948,34 @@
                 <a:ea typeface="Segoe UI Black" panose="020B0A02040204020203" pitchFamily="34" charset="0"/>
                 <a:cs typeface="Arial" panose="020B0604020202020204" pitchFamily="34" charset="0"/>
               </a:rPr>
-              <a:t>“Xiaomi Redmi 10S” </a:t>
-            </a:r>
-            <a:r>
-              <a:rPr lang="ru-RU" sz="3100" dirty="0">
-                <a:solidFill>
-                  <a:schemeClr val="bg1"/>
-                </a:solidFill>
-                <a:latin typeface="Arial" panose="020B0604020202020204" pitchFamily="34" charset="0"/>
-                <a:ea typeface="Segoe UI Black" panose="020B0A02040204020203" pitchFamily="34" charset="0"/>
-                <a:cs typeface="Arial" panose="020B0604020202020204" pitchFamily="34" charset="0"/>
-              </a:rPr>
-              <a:t>будет преобразовано в набор тегов</a:t>
-            </a:r>
-            <a:r>
-              <a:rPr lang="en-US" sz="3100" dirty="0">
-                <a:solidFill>
-                  <a:schemeClr val="bg1"/>
-                </a:solidFill>
-                <a:latin typeface="Arial" panose="020B0604020202020204" pitchFamily="34" charset="0"/>
-                <a:ea typeface="Segoe UI Black" panose="020B0A02040204020203" pitchFamily="34" charset="0"/>
-                <a:cs typeface="Arial" panose="020B0604020202020204" pitchFamily="34" charset="0"/>
-              </a:rPr>
-              <a:t> [“</a:t>
-            </a:r>
-            <a:r>
-              <a:rPr lang="en-US" sz="3100" dirty="0" err="1">
-                <a:solidFill>
-                  <a:schemeClr val="bg1"/>
-                </a:solidFill>
-                <a:latin typeface="Arial" panose="020B0604020202020204" pitchFamily="34" charset="0"/>
-                <a:ea typeface="Segoe UI Black" panose="020B0A02040204020203" pitchFamily="34" charset="0"/>
-                <a:cs typeface="Arial" panose="020B0604020202020204" pitchFamily="34" charset="0"/>
-              </a:rPr>
-              <a:t>xiaomi</a:t>
-            </a:r>
-            <a:r>
-              <a:rPr lang="en-US" sz="3100" dirty="0">
-                <a:solidFill>
-                  <a:schemeClr val="bg1"/>
-                </a:solidFill>
-                <a:latin typeface="Arial" panose="020B0604020202020204" pitchFamily="34" charset="0"/>
-                <a:ea typeface="Segoe UI Black" panose="020B0A02040204020203" pitchFamily="34" charset="0"/>
-                <a:cs typeface="Arial" panose="020B0604020202020204" pitchFamily="34" charset="0"/>
-              </a:rPr>
-              <a:t>”, “</a:t>
-            </a:r>
-            <a:r>
-              <a:rPr lang="en-US" sz="3100" dirty="0" err="1">
-                <a:solidFill>
-                  <a:schemeClr val="bg1"/>
-                </a:solidFill>
-                <a:latin typeface="Arial" panose="020B0604020202020204" pitchFamily="34" charset="0"/>
-                <a:ea typeface="Segoe UI Black" panose="020B0A02040204020203" pitchFamily="34" charset="0"/>
-                <a:cs typeface="Arial" panose="020B0604020202020204" pitchFamily="34" charset="0"/>
-              </a:rPr>
-              <a:t>redmi</a:t>
-            </a:r>
-            <a:r>
-              <a:rPr lang="en-US" sz="3100" dirty="0">
-                <a:solidFill>
-                  <a:schemeClr val="bg1"/>
-                </a:solidFill>
-                <a:latin typeface="Arial" panose="020B0604020202020204" pitchFamily="34" charset="0"/>
-                <a:ea typeface="Segoe UI Black" panose="020B0A02040204020203" pitchFamily="34" charset="0"/>
-                <a:cs typeface="Arial" panose="020B0604020202020204" pitchFamily="34" charset="0"/>
-              </a:rPr>
-              <a:t>”, “10s”]</a:t>
-            </a:r>
-            <a:br>
-              <a:rPr lang="ru-RU" sz="3100" dirty="0">
-                <a:solidFill>
-                  <a:schemeClr val="bg1"/>
-                </a:solidFill>
-                <a:latin typeface="Arial" panose="020B0604020202020204" pitchFamily="34" charset="0"/>
-                <a:ea typeface="Segoe UI Black" panose="020B0A02040204020203" pitchFamily="34" charset="0"/>
-                <a:cs typeface="Arial" panose="020B0604020202020204" pitchFamily="34" charset="0"/>
-              </a:rPr>
-            </a:br>
+              <a:t>“Xiaomi Redmi 10S”</a:t>
+            </a:r>
+          </a:p>
+          <a:p>
+            <a:pPr marL="457200" indent="-457200">
+              <a:lnSpc>
+                <a:spcPct val="150000"/>
+              </a:lnSpc>
+              <a:buFont typeface="Arial" panose="020B0604020202020204" pitchFamily="34" charset="0"/>
+              <a:buChar char="•"/>
+            </a:pPr>
+            <a:endParaRPr lang="ru-RU" sz="3100" dirty="0">
+              <a:solidFill>
+                <a:schemeClr val="bg1"/>
+              </a:solidFill>
+              <a:latin typeface="Arial" panose="020B0604020202020204" pitchFamily="34" charset="0"/>
+              <a:ea typeface="Segoe UI Black" panose="020B0A02040204020203" pitchFamily="34" charset="0"/>
+              <a:cs typeface="Arial" panose="020B0604020202020204" pitchFamily="34" charset="0"/>
+            </a:endParaRPr>
+          </a:p>
+          <a:p>
+            <a:pPr marL="457200" indent="-457200">
+              <a:lnSpc>
+                <a:spcPct val="150000"/>
+              </a:lnSpc>
+              <a:buFont typeface="Arial" panose="020B0604020202020204" pitchFamily="34" charset="0"/>
+              <a:buChar char="•"/>
+            </a:pPr>
             <a:r>
               <a:rPr lang="ru-RU" sz="3100" dirty="0">
                 <a:solidFill>
@@ -3258,6 +3303,137 @@
                 <a:cs typeface="Arial" panose="020B0604020202020204" pitchFamily="34" charset="0"/>
               </a:rPr>
               <a:t>]</a:t>
+            </a:r>
+            <a:endParaRPr lang="ru-RU" sz="3100" dirty="0">
+              <a:solidFill>
+                <a:schemeClr val="bg1"/>
+              </a:solidFill>
+              <a:latin typeface="Arial" panose="020B0604020202020204" pitchFamily="34" charset="0"/>
+              <a:ea typeface="Segoe UI Black" panose="020B0A02040204020203" pitchFamily="34" charset="0"/>
+              <a:cs typeface="Arial" panose="020B0604020202020204" pitchFamily="34" charset="0"/>
+            </a:endParaRPr>
+          </a:p>
+        </p:txBody>
+      </p:sp>
+      <p:sp>
+        <p:nvSpPr>
+          <p:cNvPr id="2" name="TextBox 1">
+            <a:extLst>
+              <a:ext uri="{FF2B5EF4-FFF2-40B4-BE49-F238E27FC236}">
+                <a16:creationId xmlns:a16="http://schemas.microsoft.com/office/drawing/2014/main" id="{6F892003-CBA0-E1FF-307E-605D71FD74FF}"/>
+              </a:ext>
+            </a:extLst>
+          </p:cNvPr>
+          <p:cNvSpPr txBox="1"/>
+          <p:nvPr/>
+        </p:nvSpPr>
+        <p:spPr>
+          <a:xfrm>
+            <a:off x="10280650" y="6995244"/>
+            <a:ext cx="7734300" cy="1435073"/>
+          </a:xfrm>
+          <a:prstGeom prst="rect">
+            <a:avLst/>
+          </a:prstGeom>
+          <a:noFill/>
+        </p:spPr>
+        <p:txBody>
+          <a:bodyPr wrap="square" rtlCol="0">
+            <a:spAutoFit/>
+          </a:bodyPr>
+          <a:lstStyle/>
+          <a:p>
+            <a:pPr>
+              <a:lnSpc>
+                <a:spcPct val="150000"/>
+              </a:lnSpc>
+            </a:pPr>
+            <a:r>
+              <a:rPr lang="ru-RU" sz="3100" dirty="0">
+                <a:solidFill>
+                  <a:schemeClr val="bg1"/>
+                </a:solidFill>
+                <a:latin typeface="Arial" panose="020B0604020202020204" pitchFamily="34" charset="0"/>
+                <a:ea typeface="Segoe UI Black" panose="020B0A02040204020203" pitchFamily="34" charset="0"/>
+                <a:cs typeface="Arial" panose="020B0604020202020204" pitchFamily="34" charset="0"/>
+              </a:rPr>
+              <a:t>преобразуется в набор тегов</a:t>
+            </a:r>
+            <a:r>
+              <a:rPr lang="en-US" sz="3100" dirty="0">
+                <a:solidFill>
+                  <a:schemeClr val="bg1"/>
+                </a:solidFill>
+                <a:latin typeface="Arial" panose="020B0604020202020204" pitchFamily="34" charset="0"/>
+                <a:ea typeface="Segoe UI Black" panose="020B0A02040204020203" pitchFamily="34" charset="0"/>
+                <a:cs typeface="Arial" panose="020B0604020202020204" pitchFamily="34" charset="0"/>
+              </a:rPr>
+              <a:t> </a:t>
+            </a:r>
+            <a:br>
+              <a:rPr lang="ru-RU" sz="3100" dirty="0">
+                <a:solidFill>
+                  <a:schemeClr val="bg1"/>
+                </a:solidFill>
+                <a:latin typeface="Arial" panose="020B0604020202020204" pitchFamily="34" charset="0"/>
+                <a:ea typeface="Segoe UI Black" panose="020B0A02040204020203" pitchFamily="34" charset="0"/>
+                <a:cs typeface="Arial" panose="020B0604020202020204" pitchFamily="34" charset="0"/>
+              </a:rPr>
+            </a:br>
+            <a:r>
+              <a:rPr lang="en-US" sz="3100" dirty="0">
+                <a:solidFill>
+                  <a:schemeClr val="bg1"/>
+                </a:solidFill>
+                <a:latin typeface="Arial" panose="020B0604020202020204" pitchFamily="34" charset="0"/>
+                <a:ea typeface="Segoe UI Black" panose="020B0A02040204020203" pitchFamily="34" charset="0"/>
+                <a:cs typeface="Arial" panose="020B0604020202020204" pitchFamily="34" charset="0"/>
+              </a:rPr>
+              <a:t>[“</a:t>
+            </a:r>
+            <a:r>
+              <a:rPr lang="en-US" sz="3100" dirty="0" err="1">
+                <a:solidFill>
+                  <a:schemeClr val="bg1"/>
+                </a:solidFill>
+                <a:latin typeface="Arial" panose="020B0604020202020204" pitchFamily="34" charset="0"/>
+                <a:ea typeface="Segoe UI Black" panose="020B0A02040204020203" pitchFamily="34" charset="0"/>
+                <a:cs typeface="Arial" panose="020B0604020202020204" pitchFamily="34" charset="0"/>
+              </a:rPr>
+              <a:t>xiaomi</a:t>
+            </a:r>
+            <a:r>
+              <a:rPr lang="en-US" sz="3100" dirty="0">
+                <a:solidFill>
+                  <a:schemeClr val="bg1"/>
+                </a:solidFill>
+                <a:latin typeface="Arial" panose="020B0604020202020204" pitchFamily="34" charset="0"/>
+                <a:ea typeface="Segoe UI Black" panose="020B0A02040204020203" pitchFamily="34" charset="0"/>
+                <a:cs typeface="Arial" panose="020B0604020202020204" pitchFamily="34" charset="0"/>
+              </a:rPr>
+              <a:t>”, “</a:t>
+            </a:r>
+            <a:r>
+              <a:rPr lang="en-US" sz="3100" dirty="0" err="1">
+                <a:solidFill>
+                  <a:schemeClr val="bg1"/>
+                </a:solidFill>
+                <a:latin typeface="Arial" panose="020B0604020202020204" pitchFamily="34" charset="0"/>
+                <a:ea typeface="Segoe UI Black" panose="020B0A02040204020203" pitchFamily="34" charset="0"/>
+                <a:cs typeface="Arial" panose="020B0604020202020204" pitchFamily="34" charset="0"/>
+              </a:rPr>
+              <a:t>redmi</a:t>
+            </a:r>
+            <a:r>
+              <a:rPr lang="en-US" sz="3100" dirty="0">
+                <a:solidFill>
+                  <a:schemeClr val="bg1"/>
+                </a:solidFill>
+                <a:latin typeface="Arial" panose="020B0604020202020204" pitchFamily="34" charset="0"/>
+                <a:ea typeface="Segoe UI Black" panose="020B0A02040204020203" pitchFamily="34" charset="0"/>
+                <a:cs typeface="Arial" panose="020B0604020202020204" pitchFamily="34" charset="0"/>
+              </a:rPr>
+              <a:t>”, “10s”]</a:t>
             </a:r>
             <a:endParaRPr lang="ru-RU" sz="3100" dirty="0">
               <a:solidFill>
@@ -5109,7 +5285,7 @@
         </p:blipFill>
         <p:spPr>
           <a:xfrm>
-            <a:off x="6546850" y="5121274"/>
+            <a:off x="8451850" y="5135789"/>
             <a:ext cx="6119631" cy="5223235"/>
           </a:xfrm>
           <a:prstGeom prst="rect">
@@ -5117,6 +5293,136 @@
           </a:prstGeom>
         </p:spPr>
       </p:pic>
+      <p:cxnSp>
+        <p:nvCxnSpPr>
+          <p:cNvPr id="4" name="Прямая со стрелкой 3">
+            <a:extLst>
+              <a:ext uri="{FF2B5EF4-FFF2-40B4-BE49-F238E27FC236}">
+                <a16:creationId xmlns:a16="http://schemas.microsoft.com/office/drawing/2014/main" id="{9177AE78-F1A5-AC0B-867A-7A11110895A8}"/>
+              </a:ext>
+            </a:extLst>
+          </p:cNvPr>
+          <p:cNvCxnSpPr/>
+          <p:nvPr/>
+        </p:nvCxnSpPr>
+        <p:spPr>
+          <a:xfrm>
+            <a:off x="4108450" y="6111875"/>
+            <a:ext cx="4876800" cy="228600"/>
+          </a:xfrm>
+          <a:prstGeom prst="straightConnector1">
+            <a:avLst/>
+          </a:prstGeom>
+          <a:ln w="28575">
+            <a:solidFill>
+              <a:schemeClr val="bg1"/>
+            </a:solidFill>
+            <a:tailEnd type="triangle"/>
+          </a:ln>
+        </p:spPr>
+        <p:style>
+          <a:lnRef idx="1">
+            <a:schemeClr val="accent1"/>
+          </a:lnRef>
+          <a:fillRef idx="0">
+            <a:schemeClr val="accent1"/>
+          </a:fillRef>
+          <a:effectRef idx="0">
+            <a:schemeClr val="accent1"/>
+          </a:effectRef>
+          <a:fontRef idx="minor">
+            <a:schemeClr val="tx1"/>
+          </a:fontRef>
+        </p:style>
+      </p:cxnSp>
+      <p:cxnSp>
+        <p:nvCxnSpPr>
+          <p:cNvPr id="6" name="Прямая со стрелкой 5">
+            <a:extLst>
+              <a:ext uri="{FF2B5EF4-FFF2-40B4-BE49-F238E27FC236}">
+                <a16:creationId xmlns:a16="http://schemas.microsoft.com/office/drawing/2014/main" id="{C6B3A858-0D78-8883-3782-AD41E014722D}"/>
+              </a:ext>
+            </a:extLst>
+          </p:cNvPr>
+          <p:cNvCxnSpPr>
+            <a:cxnSpLocks/>
+          </p:cNvCxnSpPr>
+          <p:nvPr/>
+        </p:nvCxnSpPr>
+        <p:spPr>
+          <a:xfrm>
+            <a:off x="4108450" y="7559675"/>
+            <a:ext cx="4788807" cy="60325"/>
+          </a:xfrm>
+          <a:prstGeom prst="straightConnector1">
+            <a:avLst/>
+          </a:prstGeom>
+          <a:ln w="28575">
+            <a:solidFill>
+              <a:schemeClr val="bg1"/>
+            </a:solidFill>
+            <a:tailEnd type="triangle"/>
+          </a:ln>
+        </p:spPr>
+        <p:style>
+          <a:lnRef idx="1">
+            <a:schemeClr val="accent1"/>
+          </a:lnRef>
+          <a:fillRef idx="0">
+            <a:schemeClr val="accent1"/>
+          </a:fillRef>
+          <a:effectRef idx="0">
+            <a:schemeClr val="accent1"/>
+          </a:effectRef>
+          <a:fontRef idx="minor">
+            <a:schemeClr val="tx1"/>
+          </a:fontRef>
+        </p:style>
+      </p:cxnSp>
+      <p:cxnSp>
+        <p:nvCxnSpPr>
+          <p:cNvPr id="7" name="Прямая со стрелкой 6">
+            <a:extLst>
+              <a:ext uri="{FF2B5EF4-FFF2-40B4-BE49-F238E27FC236}">
+                <a16:creationId xmlns:a16="http://schemas.microsoft.com/office/drawing/2014/main" id="{0E2E4F2D-BB8D-08CB-6C88-F7C4C71EFDF1}"/>
+              </a:ext>
+            </a:extLst>
+          </p:cNvPr>
+          <p:cNvCxnSpPr>
+            <a:cxnSpLocks/>
+          </p:cNvCxnSpPr>
+          <p:nvPr/>
+        </p:nvCxnSpPr>
+        <p:spPr>
+          <a:xfrm>
+            <a:off x="4184650" y="8931275"/>
+            <a:ext cx="4698093" cy="53068"/>
+          </a:xfrm>
+          <a:prstGeom prst="straightConnector1">
+            <a:avLst/>
+          </a:prstGeom>
+          <a:ln w="28575">
+            <a:solidFill>
+              <a:schemeClr val="bg1"/>
+            </a:solidFill>
+            <a:tailEnd type="triangle"/>
+          </a:ln>
+        </p:spPr>
+        <p:style>
+          <a:lnRef idx="1">
+            <a:schemeClr val="accent1"/>
+          </a:lnRef>
+          <a:fillRef idx="0">
+            <a:schemeClr val="accent1"/>
+          </a:fillRef>
+          <a:effectRef idx="0">
+            <a:schemeClr val="accent1"/>
+          </a:effectRef>
+          <a:fontRef idx="minor">
+            <a:schemeClr val="tx1"/>
+          </a:fontRef>
+        </p:style>
+      </p:cxnSp>
     </p:spTree>
     <p:extLst>
       <p:ext uri="{BB962C8B-B14F-4D97-AF65-F5344CB8AC3E}">
